--- a/doc/プロジェクト開発演習　SSH48 /91.中間発表/プレゼン　みかん.pptx
+++ b/doc/プロジェクト開発演習　SSH48 /91.中間発表/プレゼン　みかん.pptx
@@ -205,7 +205,7 @@
           <a:p>
             <a:fld id="{12FF2FE7-737C-9547-800B-8FBCC3867355}" type="datetimeFigureOut">
               <a:rPr kumimoji="1" lang="ja-JP" altLang="en-US" smtClean="0"/>
-              <a:t>2019/6/24</a:t>
+              <a:t>2019/6/25</a:t>
             </a:fld>
             <a:endParaRPr kumimoji="1" lang="ja-JP" altLang="en-US"/>
           </a:p>
@@ -611,6 +611,18 @@
               <a:rPr kumimoji="1" lang="ja-JP" altLang="en-US"/>
               <a:t>オフィスのエアコン温度　こっそりと変えた人は６割以上存在</a:t>
             </a:r>
+            <a:r>
+              <a:rPr kumimoji="1" lang="en-US" altLang="ja-JP" dirty="0"/>
+              <a:t>(https://</a:t>
+            </a:r>
+            <a:r>
+              <a:rPr kumimoji="1" lang="en-US" altLang="ja-JP" dirty="0" err="1"/>
+              <a:t>news.mynavi.jp</a:t>
+            </a:r>
+            <a:r>
+              <a:rPr kumimoji="1" lang="en-US" altLang="ja-JP"/>
+              <a:t>/article/20170811-a019/)</a:t>
+            </a:r>
             <a:endParaRPr kumimoji="1" lang="en-US" altLang="ja-JP" dirty="0"/>
           </a:p>
           <a:p>
@@ -1455,7 +1467,7 @@
           <a:p>
             <a:fld id="{297AA529-4116-3843-B440-E8442D861BB6}" type="datetimeFigureOut">
               <a:rPr kumimoji="1" lang="ja-JP" altLang="en-US" smtClean="0"/>
-              <a:t>2019/6/24</a:t>
+              <a:t>2019/6/25</a:t>
             </a:fld>
             <a:endParaRPr kumimoji="1" lang="ja-JP" altLang="en-US"/>
           </a:p>
@@ -1660,7 +1672,7 @@
           <a:p>
             <a:fld id="{297AA529-4116-3843-B440-E8442D861BB6}" type="datetimeFigureOut">
               <a:rPr kumimoji="1" lang="ja-JP" altLang="en-US" smtClean="0"/>
-              <a:t>2019/6/24</a:t>
+              <a:t>2019/6/25</a:t>
             </a:fld>
             <a:endParaRPr kumimoji="1" lang="ja-JP" altLang="en-US"/>
           </a:p>
@@ -1875,7 +1887,7 @@
           <a:p>
             <a:fld id="{297AA529-4116-3843-B440-E8442D861BB6}" type="datetimeFigureOut">
               <a:rPr kumimoji="1" lang="ja-JP" altLang="en-US" smtClean="0"/>
-              <a:t>2019/6/24</a:t>
+              <a:t>2019/6/25</a:t>
             </a:fld>
             <a:endParaRPr kumimoji="1" lang="ja-JP" altLang="en-US"/>
           </a:p>
@@ -2080,7 +2092,7 @@
           <a:p>
             <a:fld id="{297AA529-4116-3843-B440-E8442D861BB6}" type="datetimeFigureOut">
               <a:rPr kumimoji="1" lang="ja-JP" altLang="en-US" smtClean="0"/>
-              <a:t>2019/6/24</a:t>
+              <a:t>2019/6/25</a:t>
             </a:fld>
             <a:endParaRPr kumimoji="1" lang="ja-JP" altLang="en-US"/>
           </a:p>
@@ -2390,7 +2402,7 @@
           <a:p>
             <a:fld id="{297AA529-4116-3843-B440-E8442D861BB6}" type="datetimeFigureOut">
               <a:rPr kumimoji="1" lang="ja-JP" altLang="en-US" smtClean="0"/>
-              <a:t>2019/6/24</a:t>
+              <a:t>2019/6/25</a:t>
             </a:fld>
             <a:endParaRPr kumimoji="1" lang="ja-JP" altLang="en-US"/>
           </a:p>
@@ -2669,7 +2681,7 @@
           <a:p>
             <a:fld id="{297AA529-4116-3843-B440-E8442D861BB6}" type="datetimeFigureOut">
               <a:rPr kumimoji="1" lang="ja-JP" altLang="en-US" smtClean="0"/>
-              <a:t>2019/6/24</a:t>
+              <a:t>2019/6/25</a:t>
             </a:fld>
             <a:endParaRPr kumimoji="1" lang="ja-JP" altLang="en-US"/>
           </a:p>
@@ -3165,7 +3177,7 @@
           <a:p>
             <a:fld id="{297AA529-4116-3843-B440-E8442D861BB6}" type="datetimeFigureOut">
               <a:rPr kumimoji="1" lang="ja-JP" altLang="en-US" smtClean="0"/>
-              <a:t>2019/6/24</a:t>
+              <a:t>2019/6/25</a:t>
             </a:fld>
             <a:endParaRPr kumimoji="1" lang="ja-JP" altLang="en-US"/>
           </a:p>
@@ -3306,7 +3318,7 @@
           <a:p>
             <a:fld id="{297AA529-4116-3843-B440-E8442D861BB6}" type="datetimeFigureOut">
               <a:rPr kumimoji="1" lang="ja-JP" altLang="en-US" smtClean="0"/>
-              <a:t>2019/6/24</a:t>
+              <a:t>2019/6/25</a:t>
             </a:fld>
             <a:endParaRPr kumimoji="1" lang="ja-JP" altLang="en-US"/>
           </a:p>
@@ -3419,7 +3431,7 @@
           <a:p>
             <a:fld id="{297AA529-4116-3843-B440-E8442D861BB6}" type="datetimeFigureOut">
               <a:rPr kumimoji="1" lang="ja-JP" altLang="en-US" smtClean="0"/>
-              <a:t>2019/6/24</a:t>
+              <a:t>2019/6/25</a:t>
             </a:fld>
             <a:endParaRPr kumimoji="1" lang="ja-JP" altLang="en-US"/>
           </a:p>
@@ -3772,7 +3784,7 @@
           <a:p>
             <a:fld id="{297AA529-4116-3843-B440-E8442D861BB6}" type="datetimeFigureOut">
               <a:rPr kumimoji="1" lang="ja-JP" altLang="en-US" smtClean="0"/>
-              <a:t>2019/6/24</a:t>
+              <a:t>2019/6/25</a:t>
             </a:fld>
             <a:endParaRPr kumimoji="1" lang="ja-JP" altLang="en-US"/>
           </a:p>
@@ -4095,7 +4107,7 @@
           <a:p>
             <a:fld id="{297AA529-4116-3843-B440-E8442D861BB6}" type="datetimeFigureOut">
               <a:rPr kumimoji="1" lang="ja-JP" altLang="en-US" smtClean="0"/>
-              <a:t>2019/6/24</a:t>
+              <a:t>2019/6/25</a:t>
             </a:fld>
             <a:endParaRPr kumimoji="1" lang="ja-JP" altLang="en-US"/>
           </a:p>
@@ -4343,7 +4355,7 @@
           <a:p>
             <a:fld id="{297AA529-4116-3843-B440-E8442D861BB6}" type="datetimeFigureOut">
               <a:rPr kumimoji="1" lang="ja-JP" altLang="en-US" smtClean="0"/>
-              <a:t>2019/6/24</a:t>
+              <a:t>2019/6/25</a:t>
             </a:fld>
             <a:endParaRPr kumimoji="1" lang="ja-JP" altLang="en-US"/>
           </a:p>

--- a/doc/プロジェクト開発演習　SSH48 /91.中間発表/プレゼン　みかん.pptx
+++ b/doc/プロジェクト開発演習　SSH48 /91.中間発表/プレゼン　みかん.pptx
@@ -13,8 +13,8 @@
     <p:sldId id="261" r:id="rId4"/>
     <p:sldId id="258" r:id="rId5"/>
     <p:sldId id="259" r:id="rId6"/>
-    <p:sldId id="260" r:id="rId7"/>
-    <p:sldId id="262" r:id="rId8"/>
+    <p:sldId id="262" r:id="rId7"/>
+    <p:sldId id="260" r:id="rId8"/>
     <p:sldId id="266" r:id="rId9"/>
     <p:sldId id="263" r:id="rId10"/>
   </p:sldIdLst>
@@ -620,26 +620,28 @@
               <a:t>news.mynavi.jp</a:t>
             </a:r>
             <a:r>
-              <a:rPr kumimoji="1" lang="en-US" altLang="ja-JP"/>
+              <a:rPr kumimoji="1" lang="en-US" altLang="ja-JP" dirty="0"/>
               <a:t>/article/20170811-a019/)</a:t>
             </a:r>
+          </a:p>
+          <a:p>
+            <a:r>
+              <a:rPr kumimoji="1" lang="ja-JP" altLang="en-US"/>
+              <a:t>クラス内でもエアコンの温度を勝手に変えにくい。</a:t>
+            </a:r>
             <a:endParaRPr kumimoji="1" lang="en-US" altLang="ja-JP" dirty="0"/>
           </a:p>
           <a:p>
-            <a:r>
-              <a:rPr kumimoji="1" lang="ja-JP" altLang="en-US"/>
-              <a:t>クラス内でもエアコンの温度を勝手に変えにくい。</a:t>
-            </a:r>
             <a:endParaRPr kumimoji="1" lang="en-US" altLang="ja-JP" dirty="0"/>
           </a:p>
           <a:p>
+            <a:r>
+              <a:rPr kumimoji="1" lang="ja-JP" altLang="en-US"/>
+              <a:t>また、権力を持っているものが自由に変えて逆らえない。</a:t>
+            </a:r>
             <a:endParaRPr kumimoji="1" lang="en-US" altLang="ja-JP" dirty="0"/>
           </a:p>
           <a:p>
-            <a:r>
-              <a:rPr kumimoji="1" lang="ja-JP" altLang="en-US"/>
-              <a:t>また、権力を持っているものが自由に変えて逆らえない。</a:t>
-            </a:r>
             <a:endParaRPr kumimoji="1" lang="en-US" altLang="ja-JP" dirty="0"/>
           </a:p>
           <a:p>
@@ -940,40 +942,7 @@
           <a:bodyPr/>
           <a:lstStyle/>
           <a:p>
-            <a:r>
-              <a:rPr kumimoji="1" lang="ja-JP" altLang="en-US"/>
-              <a:t>使用技術はこちらになります。</a:t>
-            </a:r>
-            <a:endParaRPr kumimoji="1" lang="en-US" altLang="ja-JP" dirty="0"/>
-          </a:p>
-          <a:p>
-            <a:r>
-              <a:rPr kumimoji="1" lang="en-US" altLang="ja-JP" dirty="0"/>
-              <a:t>Slack</a:t>
-            </a:r>
-            <a:r>
-              <a:rPr kumimoji="1" lang="ja-JP" altLang="en-US"/>
-              <a:t>上でユーザーは捜査を行い。</a:t>
-            </a:r>
-            <a:endParaRPr kumimoji="1" lang="en-US" altLang="ja-JP" dirty="0"/>
-          </a:p>
-          <a:p>
-            <a:r>
-              <a:rPr kumimoji="1" lang="en-US" altLang="ja-JP" dirty="0"/>
-              <a:t>Google App Script </a:t>
-            </a:r>
-            <a:r>
-              <a:rPr kumimoji="1" lang="ja-JP" altLang="en-US"/>
-              <a:t>や、ラズベリーパイ、</a:t>
-            </a:r>
-            <a:r>
-              <a:rPr kumimoji="1" lang="en-US" altLang="ja-JP" dirty="0"/>
-              <a:t>AWS</a:t>
-            </a:r>
-            <a:r>
-              <a:rPr kumimoji="1" lang="ja-JP" altLang="en-US"/>
-              <a:t>を使用しています</a:t>
-            </a:r>
+            <a:endParaRPr kumimoji="1" lang="ja-JP" altLang="en-US"/>
           </a:p>
         </p:txBody>
       </p:sp>
@@ -1003,7 +972,7 @@
     </p:spTree>
     <p:extLst>
       <p:ext uri="{BB962C8B-B14F-4D97-AF65-F5344CB8AC3E}">
-        <p14:creationId xmlns:p14="http://schemas.microsoft.com/office/powerpoint/2010/main" val="597527249"/>
+        <p14:creationId xmlns:p14="http://schemas.microsoft.com/office/powerpoint/2010/main" val="2322987103"/>
       </p:ext>
     </p:extLst>
   </p:cSld>
@@ -1057,7 +1026,40 @@
           <a:bodyPr/>
           <a:lstStyle/>
           <a:p>
-            <a:endParaRPr kumimoji="1" lang="ja-JP" altLang="en-US"/>
+            <a:r>
+              <a:rPr kumimoji="1" lang="ja-JP" altLang="en-US"/>
+              <a:t>使用技術はこちらになります。</a:t>
+            </a:r>
+            <a:endParaRPr kumimoji="1" lang="en-US" altLang="ja-JP" dirty="0"/>
+          </a:p>
+          <a:p>
+            <a:r>
+              <a:rPr kumimoji="1" lang="en-US" altLang="ja-JP" dirty="0"/>
+              <a:t>Slack</a:t>
+            </a:r>
+            <a:r>
+              <a:rPr kumimoji="1" lang="ja-JP" altLang="en-US"/>
+              <a:t>上でユーザーは捜査を行い。</a:t>
+            </a:r>
+            <a:endParaRPr kumimoji="1" lang="en-US" altLang="ja-JP" dirty="0"/>
+          </a:p>
+          <a:p>
+            <a:r>
+              <a:rPr kumimoji="1" lang="en-US" altLang="ja-JP" dirty="0"/>
+              <a:t>Google App Script </a:t>
+            </a:r>
+            <a:r>
+              <a:rPr kumimoji="1" lang="ja-JP" altLang="en-US"/>
+              <a:t>や、ラズベリーパイ、</a:t>
+            </a:r>
+            <a:r>
+              <a:rPr kumimoji="1" lang="en-US" altLang="ja-JP" dirty="0"/>
+              <a:t>AWS</a:t>
+            </a:r>
+            <a:r>
+              <a:rPr kumimoji="1" lang="ja-JP" altLang="en-US"/>
+              <a:t>を使用しています</a:t>
+            </a:r>
           </a:p>
         </p:txBody>
       </p:sp>
@@ -1087,7 +1089,7 @@
     </p:spTree>
     <p:extLst>
       <p:ext uri="{BB962C8B-B14F-4D97-AF65-F5344CB8AC3E}">
-        <p14:creationId xmlns:p14="http://schemas.microsoft.com/office/powerpoint/2010/main" val="2322987103"/>
+        <p14:creationId xmlns:p14="http://schemas.microsoft.com/office/powerpoint/2010/main" val="597527249"/>
       </p:ext>
     </p:extLst>
   </p:cSld>
@@ -5397,7 +5399,7 @@
           <p:cNvPr id="2" name="タイトル 1">
             <a:extLst>
               <a:ext uri="{FF2B5EF4-FFF2-40B4-BE49-F238E27FC236}">
-                <a16:creationId xmlns:a16="http://schemas.microsoft.com/office/drawing/2014/main" id="{CD3B1660-AEF2-F842-80CD-3BC8278CF08D}"/>
+                <a16:creationId xmlns:a16="http://schemas.microsoft.com/office/drawing/2014/main" id="{47FB4500-FABE-DA48-A7FE-361A0055F83A}"/>
               </a:ext>
             </a:extLst>
           </p:cNvPr>
@@ -5408,57 +5410,47 @@
             <p:ph type="title"/>
           </p:nvPr>
         </p:nvSpPr>
-        <p:spPr>
-          <a:xfrm>
-            <a:off x="0" y="0"/>
-            <a:ext cx="10515600" cy="1325563"/>
-          </a:xfrm>
-        </p:spPr>
-        <p:txBody>
-          <a:bodyPr/>
-          <a:lstStyle/>
-          <a:p>
-            <a:r>
-              <a:rPr lang="ja-JP" altLang="en-US"/>
-              <a:t>使用技術</a:t>
-            </a:r>
+        <p:spPr/>
+        <p:txBody>
+          <a:bodyPr/>
+          <a:lstStyle/>
+          <a:p>
+            <a:r>
+              <a:rPr kumimoji="1" lang="ja-JP" altLang="en-US"/>
+              <a:t>実機デモンストレーション</a:t>
+            </a:r>
+          </a:p>
+        </p:txBody>
+      </p:sp>
+      <p:sp>
+        <p:nvSpPr>
+          <p:cNvPr id="3" name="コンテンツ プレースホルダー 2">
+            <a:extLst>
+              <a:ext uri="{FF2B5EF4-FFF2-40B4-BE49-F238E27FC236}">
+                <a16:creationId xmlns:a16="http://schemas.microsoft.com/office/drawing/2014/main" id="{219A08C3-3189-B84C-B6C0-CFD0AB9A3278}"/>
+              </a:ext>
+            </a:extLst>
+          </p:cNvPr>
+          <p:cNvSpPr>
+            <a:spLocks noGrp="1"/>
+          </p:cNvSpPr>
+          <p:nvPr>
+            <p:ph idx="1"/>
+          </p:nvPr>
+        </p:nvSpPr>
+        <p:spPr/>
+        <p:txBody>
+          <a:bodyPr/>
+          <a:lstStyle/>
+          <a:p>
             <a:endParaRPr kumimoji="1" lang="ja-JP" altLang="en-US"/>
           </a:p>
         </p:txBody>
       </p:sp>
-      <p:pic>
-        <p:nvPicPr>
-          <p:cNvPr id="15" name="コンテンツ プレースホルダー 14">
-            <a:extLst>
-              <a:ext uri="{FF2B5EF4-FFF2-40B4-BE49-F238E27FC236}">
-                <a16:creationId xmlns:a16="http://schemas.microsoft.com/office/drawing/2014/main" id="{46F2C372-27CD-8948-AD91-831038C7BB1D}"/>
-              </a:ext>
-            </a:extLst>
-          </p:cNvPr>
-          <p:cNvPicPr>
-            <a:picLocks noGrp="1" noChangeAspect="1"/>
-          </p:cNvPicPr>
-          <p:nvPr>
-            <p:ph idx="1"/>
-          </p:nvPr>
-        </p:nvPicPr>
-        <p:blipFill>
-          <a:blip r:embed="rId3"/>
-          <a:stretch>
-            <a:fillRect/>
-          </a:stretch>
-        </p:blipFill>
-        <p:spPr>
-          <a:xfrm>
-            <a:off x="3374959" y="38349"/>
-            <a:ext cx="8135723" cy="6819651"/>
-          </a:xfrm>
-        </p:spPr>
-      </p:pic>
     </p:spTree>
     <p:extLst>
       <p:ext uri="{BB962C8B-B14F-4D97-AF65-F5344CB8AC3E}">
-        <p14:creationId xmlns:p14="http://schemas.microsoft.com/office/powerpoint/2010/main" val="2725659595"/>
+        <p14:creationId xmlns:p14="http://schemas.microsoft.com/office/powerpoint/2010/main" val="596895303"/>
       </p:ext>
     </p:extLst>
   </p:cSld>
@@ -5490,7 +5482,7 @@
           <p:cNvPr id="2" name="タイトル 1">
             <a:extLst>
               <a:ext uri="{FF2B5EF4-FFF2-40B4-BE49-F238E27FC236}">
-                <a16:creationId xmlns:a16="http://schemas.microsoft.com/office/drawing/2014/main" id="{47FB4500-FABE-DA48-A7FE-361A0055F83A}"/>
+                <a16:creationId xmlns:a16="http://schemas.microsoft.com/office/drawing/2014/main" id="{CD3B1660-AEF2-F842-80CD-3BC8278CF08D}"/>
               </a:ext>
             </a:extLst>
           </p:cNvPr>
@@ -5501,47 +5493,57 @@
             <p:ph type="title"/>
           </p:nvPr>
         </p:nvSpPr>
-        <p:spPr/>
-        <p:txBody>
-          <a:bodyPr/>
-          <a:lstStyle/>
-          <a:p>
-            <a:r>
-              <a:rPr kumimoji="1" lang="ja-JP" altLang="en-US"/>
-              <a:t>実機デモンストレーション</a:t>
-            </a:r>
-          </a:p>
-        </p:txBody>
-      </p:sp>
-      <p:sp>
-        <p:nvSpPr>
-          <p:cNvPr id="3" name="コンテンツ プレースホルダー 2">
-            <a:extLst>
-              <a:ext uri="{FF2B5EF4-FFF2-40B4-BE49-F238E27FC236}">
-                <a16:creationId xmlns:a16="http://schemas.microsoft.com/office/drawing/2014/main" id="{219A08C3-3189-B84C-B6C0-CFD0AB9A3278}"/>
-              </a:ext>
-            </a:extLst>
-          </p:cNvPr>
-          <p:cNvSpPr>
-            <a:spLocks noGrp="1"/>
-          </p:cNvSpPr>
+        <p:spPr>
+          <a:xfrm>
+            <a:off x="0" y="0"/>
+            <a:ext cx="10515600" cy="1325563"/>
+          </a:xfrm>
+        </p:spPr>
+        <p:txBody>
+          <a:bodyPr/>
+          <a:lstStyle/>
+          <a:p>
+            <a:r>
+              <a:rPr lang="ja-JP" altLang="en-US"/>
+              <a:t>使用技術</a:t>
+            </a:r>
+            <a:endParaRPr kumimoji="1" lang="ja-JP" altLang="en-US"/>
+          </a:p>
+        </p:txBody>
+      </p:sp>
+      <p:pic>
+        <p:nvPicPr>
+          <p:cNvPr id="15" name="コンテンツ プレースホルダー 14">
+            <a:extLst>
+              <a:ext uri="{FF2B5EF4-FFF2-40B4-BE49-F238E27FC236}">
+                <a16:creationId xmlns:a16="http://schemas.microsoft.com/office/drawing/2014/main" id="{46F2C372-27CD-8948-AD91-831038C7BB1D}"/>
+              </a:ext>
+            </a:extLst>
+          </p:cNvPr>
+          <p:cNvPicPr>
+            <a:picLocks noGrp="1" noChangeAspect="1"/>
+          </p:cNvPicPr>
           <p:nvPr>
             <p:ph idx="1"/>
           </p:nvPr>
-        </p:nvSpPr>
-        <p:spPr/>
-        <p:txBody>
-          <a:bodyPr/>
-          <a:lstStyle/>
-          <a:p>
-            <a:endParaRPr kumimoji="1" lang="ja-JP" altLang="en-US"/>
-          </a:p>
-        </p:txBody>
-      </p:sp>
+        </p:nvPicPr>
+        <p:blipFill>
+          <a:blip r:embed="rId3"/>
+          <a:stretch>
+            <a:fillRect/>
+          </a:stretch>
+        </p:blipFill>
+        <p:spPr>
+          <a:xfrm>
+            <a:off x="3374959" y="89149"/>
+            <a:ext cx="8135723" cy="6819651"/>
+          </a:xfrm>
+        </p:spPr>
+      </p:pic>
     </p:spTree>
     <p:extLst>
       <p:ext uri="{BB962C8B-B14F-4D97-AF65-F5344CB8AC3E}">
-        <p14:creationId xmlns:p14="http://schemas.microsoft.com/office/powerpoint/2010/main" val="596895303"/>
+        <p14:creationId xmlns:p14="http://schemas.microsoft.com/office/powerpoint/2010/main" val="2725659595"/>
       </p:ext>
     </p:extLst>
   </p:cSld>

--- a/doc/プロジェクト開発演習　SSH48 /91.中間発表/プレゼン　みかん.pptx
+++ b/doc/プロジェクト開発演習　SSH48 /91.中間発表/プレゼン　みかん.pptx
@@ -205,7 +205,7 @@
           <a:p>
             <a:fld id="{12FF2FE7-737C-9547-800B-8FBCC3867355}" type="datetimeFigureOut">
               <a:rPr kumimoji="1" lang="ja-JP" altLang="en-US" smtClean="0"/>
-              <a:t>2019/6/25</a:t>
+              <a:t>2019/6/26</a:t>
             </a:fld>
             <a:endParaRPr kumimoji="1" lang="ja-JP" altLang="en-US"/>
           </a:p>
@@ -1469,7 +1469,7 @@
           <a:p>
             <a:fld id="{297AA529-4116-3843-B440-E8442D861BB6}" type="datetimeFigureOut">
               <a:rPr kumimoji="1" lang="ja-JP" altLang="en-US" smtClean="0"/>
-              <a:t>2019/6/25</a:t>
+              <a:t>2019/6/26</a:t>
             </a:fld>
             <a:endParaRPr kumimoji="1" lang="ja-JP" altLang="en-US"/>
           </a:p>
@@ -1674,7 +1674,7 @@
           <a:p>
             <a:fld id="{297AA529-4116-3843-B440-E8442D861BB6}" type="datetimeFigureOut">
               <a:rPr kumimoji="1" lang="ja-JP" altLang="en-US" smtClean="0"/>
-              <a:t>2019/6/25</a:t>
+              <a:t>2019/6/26</a:t>
             </a:fld>
             <a:endParaRPr kumimoji="1" lang="ja-JP" altLang="en-US"/>
           </a:p>
@@ -1889,7 +1889,7 @@
           <a:p>
             <a:fld id="{297AA529-4116-3843-B440-E8442D861BB6}" type="datetimeFigureOut">
               <a:rPr kumimoji="1" lang="ja-JP" altLang="en-US" smtClean="0"/>
-              <a:t>2019/6/25</a:t>
+              <a:t>2019/6/26</a:t>
             </a:fld>
             <a:endParaRPr kumimoji="1" lang="ja-JP" altLang="en-US"/>
           </a:p>
@@ -2094,7 +2094,7 @@
           <a:p>
             <a:fld id="{297AA529-4116-3843-B440-E8442D861BB6}" type="datetimeFigureOut">
               <a:rPr kumimoji="1" lang="ja-JP" altLang="en-US" smtClean="0"/>
-              <a:t>2019/6/25</a:t>
+              <a:t>2019/6/26</a:t>
             </a:fld>
             <a:endParaRPr kumimoji="1" lang="ja-JP" altLang="en-US"/>
           </a:p>
@@ -2404,7 +2404,7 @@
           <a:p>
             <a:fld id="{297AA529-4116-3843-B440-E8442D861BB6}" type="datetimeFigureOut">
               <a:rPr kumimoji="1" lang="ja-JP" altLang="en-US" smtClean="0"/>
-              <a:t>2019/6/25</a:t>
+              <a:t>2019/6/26</a:t>
             </a:fld>
             <a:endParaRPr kumimoji="1" lang="ja-JP" altLang="en-US"/>
           </a:p>
@@ -2683,7 +2683,7 @@
           <a:p>
             <a:fld id="{297AA529-4116-3843-B440-E8442D861BB6}" type="datetimeFigureOut">
               <a:rPr kumimoji="1" lang="ja-JP" altLang="en-US" smtClean="0"/>
-              <a:t>2019/6/25</a:t>
+              <a:t>2019/6/26</a:t>
             </a:fld>
             <a:endParaRPr kumimoji="1" lang="ja-JP" altLang="en-US"/>
           </a:p>
@@ -3179,7 +3179,7 @@
           <a:p>
             <a:fld id="{297AA529-4116-3843-B440-E8442D861BB6}" type="datetimeFigureOut">
               <a:rPr kumimoji="1" lang="ja-JP" altLang="en-US" smtClean="0"/>
-              <a:t>2019/6/25</a:t>
+              <a:t>2019/6/26</a:t>
             </a:fld>
             <a:endParaRPr kumimoji="1" lang="ja-JP" altLang="en-US"/>
           </a:p>
@@ -3320,7 +3320,7 @@
           <a:p>
             <a:fld id="{297AA529-4116-3843-B440-E8442D861BB6}" type="datetimeFigureOut">
               <a:rPr kumimoji="1" lang="ja-JP" altLang="en-US" smtClean="0"/>
-              <a:t>2019/6/25</a:t>
+              <a:t>2019/6/26</a:t>
             </a:fld>
             <a:endParaRPr kumimoji="1" lang="ja-JP" altLang="en-US"/>
           </a:p>
@@ -3433,7 +3433,7 @@
           <a:p>
             <a:fld id="{297AA529-4116-3843-B440-E8442D861BB6}" type="datetimeFigureOut">
               <a:rPr kumimoji="1" lang="ja-JP" altLang="en-US" smtClean="0"/>
-              <a:t>2019/6/25</a:t>
+              <a:t>2019/6/26</a:t>
             </a:fld>
             <a:endParaRPr kumimoji="1" lang="ja-JP" altLang="en-US"/>
           </a:p>
@@ -3786,7 +3786,7 @@
           <a:p>
             <a:fld id="{297AA529-4116-3843-B440-E8442D861BB6}" type="datetimeFigureOut">
               <a:rPr kumimoji="1" lang="ja-JP" altLang="en-US" smtClean="0"/>
-              <a:t>2019/6/25</a:t>
+              <a:t>2019/6/26</a:t>
             </a:fld>
             <a:endParaRPr kumimoji="1" lang="ja-JP" altLang="en-US"/>
           </a:p>
@@ -4109,7 +4109,7 @@
           <a:p>
             <a:fld id="{297AA529-4116-3843-B440-E8442D861BB6}" type="datetimeFigureOut">
               <a:rPr kumimoji="1" lang="ja-JP" altLang="en-US" smtClean="0"/>
-              <a:t>2019/6/25</a:t>
+              <a:t>2019/6/26</a:t>
             </a:fld>
             <a:endParaRPr kumimoji="1" lang="ja-JP" altLang="en-US"/>
           </a:p>
@@ -4357,7 +4357,7 @@
           <a:p>
             <a:fld id="{297AA529-4116-3843-B440-E8442D861BB6}" type="datetimeFigureOut">
               <a:rPr kumimoji="1" lang="ja-JP" altLang="en-US" smtClean="0"/>
-              <a:t>2019/6/25</a:t>
+              <a:t>2019/6/26</a:t>
             </a:fld>
             <a:endParaRPr kumimoji="1" lang="ja-JP" altLang="en-US"/>
           </a:p>
@@ -5513,10 +5513,10 @@
       </p:sp>
       <p:pic>
         <p:nvPicPr>
-          <p:cNvPr id="15" name="コンテンツ プレースホルダー 14">
-            <a:extLst>
-              <a:ext uri="{FF2B5EF4-FFF2-40B4-BE49-F238E27FC236}">
-                <a16:creationId xmlns:a16="http://schemas.microsoft.com/office/drawing/2014/main" id="{46F2C372-27CD-8948-AD91-831038C7BB1D}"/>
+          <p:cNvPr id="6" name="コンテンツ プレースホルダー 5">
+            <a:extLst>
+              <a:ext uri="{FF2B5EF4-FFF2-40B4-BE49-F238E27FC236}">
+                <a16:creationId xmlns:a16="http://schemas.microsoft.com/office/drawing/2014/main" id="{245CF59B-C1EC-F045-9212-EAA20ED8B348}"/>
               </a:ext>
             </a:extLst>
           </p:cNvPr>
@@ -5535,8 +5535,8 @@
         </p:blipFill>
         <p:spPr>
           <a:xfrm>
-            <a:off x="3374959" y="89149"/>
-            <a:ext cx="8135723" cy="6819651"/>
+            <a:off x="4033244" y="662781"/>
+            <a:ext cx="6984379" cy="5924759"/>
           </a:xfrm>
         </p:spPr>
       </p:pic>

--- a/doc/プロジェクト開発演習　SSH48 /91.中間発表/プレゼン　みかん.pptx
+++ b/doc/プロジェクト開発演習　SSH48 /91.中間発表/プレゼン　みかん.pptx
@@ -5,7 +5,7 @@
     <p:sldMasterId id="2147483648" r:id="rId1"/>
   </p:sldMasterIdLst>
   <p:notesMasterIdLst>
-    <p:notesMasterId r:id="rId11"/>
+    <p:notesMasterId r:id="rId12"/>
   </p:notesMasterIdLst>
   <p:sldIdLst>
     <p:sldId id="256" r:id="rId2"/>
@@ -17,6 +17,7 @@
     <p:sldId id="260" r:id="rId8"/>
     <p:sldId id="266" r:id="rId9"/>
     <p:sldId id="263" r:id="rId10"/>
+    <p:sldId id="267" r:id="rId11"/>
   </p:sldIdLst>
   <p:sldSz cx="12192000" cy="6858000"/>
   <p:notesSz cx="6858000" cy="9144000"/>
@@ -609,6 +610,68 @@
           <a:p>
             <a:r>
               <a:rPr kumimoji="1" lang="ja-JP" altLang="en-US"/>
+              <a:t>皆さん、クラスのエアコンに不満を持ったことはないでしょうか？</a:t>
+            </a:r>
+            <a:endParaRPr kumimoji="1" lang="en-US" altLang="ja-JP" dirty="0"/>
+          </a:p>
+          <a:p>
+            <a:r>
+              <a:rPr kumimoji="1" lang="ja-JP" altLang="en-US"/>
+              <a:t>寒い！または暑い！でも授業中に席を立ってエアコンを調整しに行くのは気がひける・・・という方多いと思います</a:t>
+            </a:r>
+            <a:endParaRPr kumimoji="1" lang="en-US" altLang="ja-JP" dirty="0"/>
+          </a:p>
+          <a:p>
+            <a:r>
+              <a:rPr kumimoji="1" lang="ja-JP" altLang="en-US"/>
+              <a:t>筋肉量や服装から適切な温度が違うのは仕方がありません</a:t>
+            </a:r>
+            <a:endParaRPr kumimoji="1" lang="en-US" altLang="ja-JP" dirty="0"/>
+          </a:p>
+          <a:p>
+            <a:r>
+              <a:rPr kumimoji="1" lang="ja-JP" altLang="en-US"/>
+              <a:t>実際に、</a:t>
+            </a:r>
+            <a:r>
+              <a:rPr kumimoji="1" lang="en-US" altLang="ja-JP" dirty="0"/>
+              <a:t>(</a:t>
+            </a:r>
+            <a:r>
+              <a:rPr kumimoji="1" lang="ja-JP" altLang="en-US"/>
+              <a:t>エアコン関係の調査の結果を少し見せる</a:t>
+            </a:r>
+            <a:r>
+              <a:rPr kumimoji="1" lang="en-US" altLang="ja-JP" dirty="0"/>
+              <a:t>)</a:t>
+            </a:r>
+          </a:p>
+          <a:p>
+            <a:r>
+              <a:rPr kumimoji="1" lang="ja-JP" altLang="en-US"/>
+              <a:t>と感じている方が多数存在しているわけです。</a:t>
+            </a:r>
+            <a:endParaRPr kumimoji="1" lang="en-US" altLang="ja-JP" dirty="0"/>
+          </a:p>
+          <a:p>
+            <a:endParaRPr kumimoji="1" lang="en-US" altLang="ja-JP" dirty="0"/>
+          </a:p>
+          <a:p>
+            <a:r>
+              <a:rPr kumimoji="1" lang="ja-JP" altLang="en-US"/>
+              <a:t>その不満を解決するために私たちが作成したのは！</a:t>
+            </a:r>
+            <a:endParaRPr kumimoji="1" lang="en-US" altLang="ja-JP" dirty="0"/>
+          </a:p>
+          <a:p>
+            <a:endParaRPr kumimoji="1" lang="en-US" altLang="ja-JP" dirty="0"/>
+          </a:p>
+          <a:p>
+            <a:endParaRPr kumimoji="1" lang="en-US" altLang="ja-JP" dirty="0"/>
+          </a:p>
+          <a:p>
+            <a:r>
+              <a:rPr kumimoji="1" lang="ja-JP" altLang="en-US"/>
               <a:t>オフィスのエアコン温度　こっそりと変えた人は６割以上存在</a:t>
             </a:r>
             <a:r>
@@ -750,7 +813,14 @@
           <a:p>
             <a:r>
               <a:rPr kumimoji="1" lang="ja-JP" altLang="en-US"/>
-              <a:t>エアー来んやん！です。</a:t>
+              <a:t>民主的エアコン管理システム、エアー来んやん！です。</a:t>
+            </a:r>
+            <a:endParaRPr kumimoji="1" lang="en-US" altLang="ja-JP" dirty="0"/>
+          </a:p>
+          <a:p>
+            <a:r>
+              <a:rPr kumimoji="1" lang="ja-JP" altLang="en-US"/>
+              <a:t>このシステムを使うと、エアコンの温度管理を手元のデバイスから投票という形で行うことができるようになります。</a:t>
             </a:r>
             <a:endParaRPr kumimoji="1" lang="en-US" altLang="ja-JP" dirty="0"/>
           </a:p>
@@ -857,7 +927,14 @@
           <a:p>
             <a:r>
               <a:rPr kumimoji="1" lang="ja-JP" altLang="en-US"/>
-              <a:t>エアー来んやん！を導入することにより、ストレスない快適な環境で仕事、勉強をすることができるようになります。</a:t>
+              <a:t>エアー来んやん！を導入することにより、誰でも簡単に適正温度に変更でき、スムーズかつストレスのない快適な環境で仕事、勉強をすることができるようになり</a:t>
+            </a:r>
+            <a:endParaRPr kumimoji="1" lang="en-US" altLang="ja-JP" dirty="0"/>
+          </a:p>
+          <a:p>
+            <a:r>
+              <a:rPr kumimoji="1" lang="ja-JP" altLang="en-US"/>
+              <a:t>結果的に成績向上、人間関係も潤滑に体調を壊すこともなくなります。</a:t>
             </a:r>
           </a:p>
         </p:txBody>
@@ -942,7 +1019,10 @@
           <a:bodyPr/>
           <a:lstStyle/>
           <a:p>
-            <a:endParaRPr kumimoji="1" lang="ja-JP" altLang="en-US"/>
+            <a:r>
+              <a:rPr kumimoji="1" lang="ja-JP" altLang="en-US"/>
+              <a:t>では早速、エアー来んやん！の使用フローをお見せ致します。</a:t>
+            </a:r>
           </a:p>
         </p:txBody>
       </p:sp>
@@ -4835,6 +4915,77 @@
     <p:extLst>
       <p:ext uri="{BB962C8B-B14F-4D97-AF65-F5344CB8AC3E}">
         <p14:creationId xmlns:p14="http://schemas.microsoft.com/office/powerpoint/2010/main" val="1102274533"/>
+      </p:ext>
+    </p:extLst>
+  </p:cSld>
+  <p:clrMapOvr>
+    <a:masterClrMapping/>
+  </p:clrMapOvr>
+</p:sld>
+</file>
+
+<file path=ppt/slides/slide10.xml><?xml version="1.0" encoding="utf-8"?>
+<p:sld xmlns:a="http://schemas.openxmlformats.org/drawingml/2006/main" xmlns:r="http://schemas.openxmlformats.org/officeDocument/2006/relationships" xmlns:p="http://schemas.openxmlformats.org/presentationml/2006/main">
+  <p:cSld>
+    <p:spTree>
+      <p:nvGrpSpPr>
+        <p:cNvPr id="1" name=""/>
+        <p:cNvGrpSpPr/>
+        <p:nvPr/>
+      </p:nvGrpSpPr>
+      <p:grpSpPr>
+        <a:xfrm>
+          <a:off x="0" y="0"/>
+          <a:ext cx="0" cy="0"/>
+          <a:chOff x="0" y="0"/>
+          <a:chExt cx="0" cy="0"/>
+        </a:xfrm>
+      </p:grpSpPr>
+      <p:sp>
+        <p:nvSpPr>
+          <p:cNvPr id="4" name="テキスト ボックス 3">
+            <a:extLst>
+              <a:ext uri="{FF2B5EF4-FFF2-40B4-BE49-F238E27FC236}">
+                <a16:creationId xmlns:a16="http://schemas.microsoft.com/office/drawing/2014/main" id="{328DED34-0F5F-F54E-BEFE-35F0FF1780F6}"/>
+              </a:ext>
+            </a:extLst>
+          </p:cNvPr>
+          <p:cNvSpPr txBox="1"/>
+          <p:nvPr/>
+        </p:nvSpPr>
+        <p:spPr>
+          <a:xfrm>
+            <a:off x="4272196" y="1693888"/>
+            <a:ext cx="6460761" cy="369332"/>
+          </a:xfrm>
+          <a:prstGeom prst="rect">
+            <a:avLst/>
+          </a:prstGeom>
+          <a:noFill/>
+        </p:spPr>
+        <p:txBody>
+          <a:bodyPr wrap="square" rtlCol="0">
+            <a:spAutoFit/>
+          </a:bodyPr>
+          <a:lstStyle/>
+          <a:p>
+            <a:r>
+              <a:rPr kumimoji="1" lang="ja-JP" altLang="en-US" b="1">
+                <a:solidFill>
+                  <a:schemeClr val="bg1"/>
+                </a:solidFill>
+                <a:latin typeface="Yu Gothic" panose="020B0400000000000000" pitchFamily="34" charset="-128"/>
+                <a:ea typeface="Yu Gothic" panose="020B0400000000000000" pitchFamily="34" charset="-128"/>
+              </a:rPr>
+              <a:t>エアコンについての不満はありませんか？</a:t>
+            </a:r>
+          </a:p>
+        </p:txBody>
+      </p:sp>
+    </p:spTree>
+    <p:extLst>
+      <p:ext uri="{BB962C8B-B14F-4D97-AF65-F5344CB8AC3E}">
+        <p14:creationId xmlns:p14="http://schemas.microsoft.com/office/powerpoint/2010/main" val="2843292034"/>
       </p:ext>
     </p:extLst>
   </p:cSld>
